--- a/resources/Presentation-Slides/Chapter-0-Preface/04.Trainers-and-Contributors.pptx
+++ b/resources/Presentation-Slides/Chapter-0-Preface/04.Trainers-and-Contributors.pptx
@@ -3823,16 +3823,6 @@
               <a:t>, </a:t>
             </a:r>
             <a:r>
-              <a:rPr lang="en-US" b="1" dirty="0" err="1">
-                <a:solidFill>
-                  <a:schemeClr val="tx2">
-                    <a:lumMod val="75000"/>
-                  </a:schemeClr>
-                </a:solidFill>
-              </a:rPr>
-              <a:t>Preslav</a:t>
-            </a:r>
-            <a:r>
               <a:rPr lang="en-US" b="1" dirty="0">
                 <a:solidFill>
                   <a:schemeClr val="tx2">
@@ -3840,25 +3830,8 @@
                   </a:schemeClr>
                 </a:solidFill>
               </a:rPr>
-              <a:t> </a:t>
-            </a:r>
-            <a:r>
-              <a:rPr lang="en-US" b="1" dirty="0" err="1">
-                <a:solidFill>
-                  <a:schemeClr val="tx2">
-                    <a:lumMod val="75000"/>
-                  </a:schemeClr>
-                </a:solidFill>
-              </a:rPr>
-              <a:t>Mihaylov</a:t>
-            </a:r>
-            <a:endParaRPr lang="en-US" b="1" dirty="0">
-              <a:solidFill>
-                <a:schemeClr val="tx2">
-                  <a:lumMod val="75000"/>
-                </a:schemeClr>
-              </a:solidFill>
-            </a:endParaRPr>
+              <a:t>Preslav Mihaylov</a:t>
+            </a:r>
           </a:p>
           <a:p>
             <a:r>
@@ -4286,11 +4259,41 @@
           <a:p>
             <a:r>
               <a:rPr lang="en-US" sz="4400" dirty="0"/>
-              <a:t>Trainers and Contributors</a:t>
+              <a:t>Trainers, Authors and Contributors</a:t>
             </a:r>
           </a:p>
         </p:txBody>
       </p:sp>
+      <p:pic>
+        <p:nvPicPr>
+          <p:cNvPr id="6" name="Picture 5">
+            <a:extLst>
+              <a:ext uri="{FF2B5EF4-FFF2-40B4-BE49-F238E27FC236}">
+                <a16:creationId xmlns:a16="http://schemas.microsoft.com/office/drawing/2014/main" id="{08D12262-1C08-497F-BB90-BF04D2191322}"/>
+              </a:ext>
+            </a:extLst>
+          </p:cNvPr>
+          <p:cNvPicPr>
+            <a:picLocks noChangeAspect="1"/>
+          </p:cNvPicPr>
+          <p:nvPr/>
+        </p:nvPicPr>
+        <p:blipFill>
+          <a:blip r:embed="rId2"/>
+          <a:stretch>
+            <a:fillRect/>
+          </a:stretch>
+        </p:blipFill>
+        <p:spPr>
+          <a:xfrm>
+            <a:off x="9516344" y="533400"/>
+            <a:ext cx="1988268" cy="2045149"/>
+          </a:xfrm>
+          <a:prstGeom prst="rect">
+            <a:avLst/>
+          </a:prstGeom>
+        </p:spPr>
+      </p:pic>
     </p:spTree>
     <p:extLst>
       <p:ext uri="{BB962C8B-B14F-4D97-AF65-F5344CB8AC3E}">
@@ -4504,7 +4507,7 @@
             <a:pPr lvl="1"/>
             <a:r>
               <a:rPr lang="en-US" dirty="0"/>
-              <a:t> Nelly </a:t>
+              <a:t>Nelly </a:t>
             </a:r>
             <a:r>
               <a:rPr lang="en-US" dirty="0" err="1"/>
@@ -4617,7 +4620,71 @@
             <a:pPr lvl="1"/>
             <a:r>
               <a:rPr lang="en-US" dirty="0"/>
-              <a:t>SoftUni Team</a:t>
+              <a:t>SoftUni Team – Nikolay </a:t>
+            </a:r>
+            <a:r>
+              <a:rPr lang="en-US" dirty="0" err="1"/>
+              <a:t>Kostov</a:t>
+            </a:r>
+            <a:r>
+              <a:rPr lang="en-US" dirty="0"/>
+              <a:t>, </a:t>
+            </a:r>
+            <a:r>
+              <a:rPr lang="en-US" dirty="0" err="1"/>
+              <a:t>Ivaylo</a:t>
+            </a:r>
+            <a:r>
+              <a:rPr lang="en-US" dirty="0"/>
+              <a:t> </a:t>
+            </a:r>
+            <a:r>
+              <a:rPr lang="en-US" dirty="0" err="1"/>
+              <a:t>Kenov</a:t>
+            </a:r>
+            <a:r>
+              <a:rPr lang="en-US" dirty="0"/>
+              <a:t>, Vladislav </a:t>
+            </a:r>
+            <a:r>
+              <a:rPr lang="en-US" dirty="0" err="1"/>
+              <a:t>Karamfilov</a:t>
+            </a:r>
+            <a:r>
+              <a:rPr lang="en-US" dirty="0"/>
+              <a:t>, </a:t>
+            </a:r>
+            <a:r>
+              <a:rPr lang="en-US" dirty="0" err="1"/>
+              <a:t>Teodor</a:t>
+            </a:r>
+            <a:r>
+              <a:rPr lang="en-US" dirty="0"/>
+              <a:t> </a:t>
+            </a:r>
+            <a:r>
+              <a:rPr lang="en-US" dirty="0" err="1"/>
+              <a:t>Kurtev</a:t>
+            </a:r>
+            <a:r>
+              <a:rPr lang="en-US" dirty="0"/>
+              <a:t>, George Georgiev, Svetlin </a:t>
+            </a:r>
+            <a:r>
+              <a:rPr lang="en-US" dirty="0" err="1"/>
+              <a:t>Galov</a:t>
+            </a:r>
+            <a:r>
+              <a:rPr lang="en-US" dirty="0"/>
+              <a:t>, Viktor </a:t>
+            </a:r>
+            <a:r>
+              <a:rPr lang="en-US" dirty="0" err="1"/>
+              <a:t>Kazakov</a:t>
+            </a:r>
+            <a:r>
+              <a:rPr lang="en-US" dirty="0"/>
+              <a:t>, …</a:t>
             </a:r>
           </a:p>
           <a:p>
@@ -4645,21 +4712,8 @@
             <a:pPr lvl="1"/>
             <a:r>
               <a:rPr lang="en-US" dirty="0"/>
-              <a:t>Svetlin Nakov, </a:t>
-            </a:r>
-            <a:r>
-              <a:rPr lang="en-US" dirty="0" err="1"/>
-              <a:t>Preslav</a:t>
-            </a:r>
-            <a:r>
-              <a:rPr lang="en-US" dirty="0"/>
-              <a:t> </a:t>
-            </a:r>
-            <a:r>
-              <a:rPr lang="en-US" dirty="0" err="1"/>
-              <a:t>Mihaylov</a:t>
-            </a:r>
-            <a:endParaRPr lang="en-US" dirty="0"/>
+              <a:t>Svetlin Nakov, Preslav Mihaylov and SoftUni Team</a:t>
+            </a:r>
           </a:p>
         </p:txBody>
       </p:sp>
@@ -4688,7 +4742,7 @@
           <a:p>
             <a:r>
               <a:rPr lang="en-US" sz="4400" dirty="0"/>
-              <a:t>Trainers and Contributors (2)</a:t>
+              <a:t>Trainers, Authors and Contributors (2)</a:t>
             </a:r>
           </a:p>
         </p:txBody>
@@ -4703,6 +4757,196 @@
   <p:clrMapOvr>
     <a:masterClrMapping/>
   </p:clrMapOvr>
+  <p:timing>
+    <p:tnLst>
+      <p:par>
+        <p:cTn id="1" dur="indefinite" restart="never" nodeType="tmRoot">
+          <p:childTnLst>
+            <p:seq concurrent="1" nextAc="seek">
+              <p:cTn id="2" dur="indefinite" nodeType="mainSeq">
+                <p:childTnLst>
+                  <p:par>
+                    <p:cTn id="3" fill="hold">
+                      <p:stCondLst>
+                        <p:cond delay="indefinite"/>
+                      </p:stCondLst>
+                      <p:childTnLst>
+                        <p:par>
+                          <p:cTn id="4" fill="hold">
+                            <p:stCondLst>
+                              <p:cond delay="0"/>
+                            </p:stCondLst>
+                            <p:childTnLst>
+                              <p:par>
+                                <p:cTn id="5" presetID="1" presetClass="entr" presetSubtype="0" fill="hold" nodeType="clickEffect">
+                                  <p:stCondLst>
+                                    <p:cond delay="0"/>
+                                  </p:stCondLst>
+                                  <p:childTnLst>
+                                    <p:set>
+                                      <p:cBhvr>
+                                        <p:cTn id="6" dur="1" fill="hold">
+                                          <p:stCondLst>
+                                            <p:cond delay="0"/>
+                                          </p:stCondLst>
+                                        </p:cTn>
+                                        <p:tgtEl>
+                                          <p:spTgt spid="3">
+                                            <p:txEl>
+                                              <p:pRg st="2" end="2"/>
+                                            </p:txEl>
+                                          </p:spTgt>
+                                        </p:tgtEl>
+                                        <p:attrNameLst>
+                                          <p:attrName>style.visibility</p:attrName>
+                                        </p:attrNameLst>
+                                      </p:cBhvr>
+                                      <p:to>
+                                        <p:strVal val="visible"/>
+                                      </p:to>
+                                    </p:set>
+                                  </p:childTnLst>
+                                </p:cTn>
+                              </p:par>
+                              <p:par>
+                                <p:cTn id="7" presetID="1" presetClass="entr" presetSubtype="0" fill="hold" nodeType="withEffect">
+                                  <p:stCondLst>
+                                    <p:cond delay="0"/>
+                                  </p:stCondLst>
+                                  <p:childTnLst>
+                                    <p:set>
+                                      <p:cBhvr>
+                                        <p:cTn id="8" dur="1" fill="hold">
+                                          <p:stCondLst>
+                                            <p:cond delay="0"/>
+                                          </p:stCondLst>
+                                        </p:cTn>
+                                        <p:tgtEl>
+                                          <p:spTgt spid="3">
+                                            <p:txEl>
+                                              <p:pRg st="3" end="3"/>
+                                            </p:txEl>
+                                          </p:spTgt>
+                                        </p:tgtEl>
+                                        <p:attrNameLst>
+                                          <p:attrName>style.visibility</p:attrName>
+                                        </p:attrNameLst>
+                                      </p:cBhvr>
+                                      <p:to>
+                                        <p:strVal val="visible"/>
+                                      </p:to>
+                                    </p:set>
+                                  </p:childTnLst>
+                                </p:cTn>
+                              </p:par>
+                            </p:childTnLst>
+                          </p:cTn>
+                        </p:par>
+                      </p:childTnLst>
+                    </p:cTn>
+                  </p:par>
+                  <p:par>
+                    <p:cTn id="9" fill="hold">
+                      <p:stCondLst>
+                        <p:cond delay="indefinite"/>
+                      </p:stCondLst>
+                      <p:childTnLst>
+                        <p:par>
+                          <p:cTn id="10" fill="hold">
+                            <p:stCondLst>
+                              <p:cond delay="0"/>
+                            </p:stCondLst>
+                            <p:childTnLst>
+                              <p:par>
+                                <p:cTn id="11" presetID="1" presetClass="entr" presetSubtype="0" fill="hold" nodeType="clickEffect">
+                                  <p:stCondLst>
+                                    <p:cond delay="0"/>
+                                  </p:stCondLst>
+                                  <p:childTnLst>
+                                    <p:set>
+                                      <p:cBhvr>
+                                        <p:cTn id="12" dur="1" fill="hold">
+                                          <p:stCondLst>
+                                            <p:cond delay="0"/>
+                                          </p:stCondLst>
+                                        </p:cTn>
+                                        <p:tgtEl>
+                                          <p:spTgt spid="3">
+                                            <p:txEl>
+                                              <p:pRg st="4" end="4"/>
+                                            </p:txEl>
+                                          </p:spTgt>
+                                        </p:tgtEl>
+                                        <p:attrNameLst>
+                                          <p:attrName>style.visibility</p:attrName>
+                                        </p:attrNameLst>
+                                      </p:cBhvr>
+                                      <p:to>
+                                        <p:strVal val="visible"/>
+                                      </p:to>
+                                    </p:set>
+                                  </p:childTnLst>
+                                </p:cTn>
+                              </p:par>
+                              <p:par>
+                                <p:cTn id="13" presetID="1" presetClass="entr" presetSubtype="0" fill="hold" nodeType="withEffect">
+                                  <p:stCondLst>
+                                    <p:cond delay="0"/>
+                                  </p:stCondLst>
+                                  <p:childTnLst>
+                                    <p:set>
+                                      <p:cBhvr>
+                                        <p:cTn id="14" dur="1" fill="hold">
+                                          <p:stCondLst>
+                                            <p:cond delay="0"/>
+                                          </p:stCondLst>
+                                        </p:cTn>
+                                        <p:tgtEl>
+                                          <p:spTgt spid="3">
+                                            <p:txEl>
+                                              <p:pRg st="5" end="5"/>
+                                            </p:txEl>
+                                          </p:spTgt>
+                                        </p:tgtEl>
+                                        <p:attrNameLst>
+                                          <p:attrName>style.visibility</p:attrName>
+                                        </p:attrNameLst>
+                                      </p:cBhvr>
+                                      <p:to>
+                                        <p:strVal val="visible"/>
+                                      </p:to>
+                                    </p:set>
+                                  </p:childTnLst>
+                                </p:cTn>
+                              </p:par>
+                            </p:childTnLst>
+                          </p:cTn>
+                        </p:par>
+                      </p:childTnLst>
+                    </p:cTn>
+                  </p:par>
+                </p:childTnLst>
+              </p:cTn>
+              <p:prevCondLst>
+                <p:cond evt="onPrev" delay="0">
+                  <p:tgtEl>
+                    <p:sldTgt/>
+                  </p:tgtEl>
+                </p:cond>
+              </p:prevCondLst>
+              <p:nextCondLst>
+                <p:cond evt="onNext" delay="0">
+                  <p:tgtEl>
+                    <p:sldTgt/>
+                  </p:tgtEl>
+                </p:cond>
+              </p:nextCondLst>
+            </p:seq>
+          </p:childTnLst>
+        </p:cTn>
+      </p:par>
+    </p:tnLst>
+  </p:timing>
 </p:sld>
 </file>
 
@@ -4787,12 +5031,23 @@
                     <a:lumMod val="75000"/>
                   </a:schemeClr>
                 </a:solidFill>
+                <a:hlinkClick r:id="rId2"/>
               </a:rPr>
               <a:t>Svetlin Nakov</a:t>
             </a:r>
             <a:r>
               <a:rPr lang="en-US" sz="3600" dirty="0"/>
-              <a:t>, PhD</a:t>
+              <a:t>, PhD – </a:t>
+            </a:r>
+            <a:r>
+              <a:rPr lang="en-US" sz="3600" dirty="0">
+                <a:hlinkClick r:id="rId3"/>
+              </a:rPr>
+              <a:t>https://nakov.com</a:t>
+            </a:r>
+            <a:r>
+              <a:rPr lang="en-US" sz="3600" dirty="0"/>
+              <a:t> </a:t>
             </a:r>
           </a:p>
           <a:p>
@@ -4898,7 +5153,7 @@
       <p:pic>
         <p:nvPicPr>
           <p:cNvPr id="15" name="Picture 14">
-            <a:hlinkClick r:id="rId2"/>
+            <a:hlinkClick r:id="rId4"/>
             <a:extLst>
               <a:ext uri="{FF2B5EF4-FFF2-40B4-BE49-F238E27FC236}">
                 <a16:creationId xmlns:a16="http://schemas.microsoft.com/office/drawing/2014/main" id="{BD142842-9FFA-4C37-B268-83A2FCB6431F}"/>
@@ -4911,7 +5166,7 @@
           <p:nvPr/>
         </p:nvPicPr>
         <p:blipFill>
-          <a:blip r:embed="rId3"/>
+          <a:blip r:embed="rId5"/>
           <a:stretch>
             <a:fillRect/>
           </a:stretch>
@@ -4946,7 +5201,7 @@
       <p:pic>
         <p:nvPicPr>
           <p:cNvPr id="16" name="Picture 15">
-            <a:hlinkClick r:id="rId4"/>
+            <a:hlinkClick r:id="rId6"/>
             <a:extLst>
               <a:ext uri="{FF2B5EF4-FFF2-40B4-BE49-F238E27FC236}">
                 <a16:creationId xmlns:a16="http://schemas.microsoft.com/office/drawing/2014/main" id="{15336840-167D-4D48-9FE5-EEE0B69A97CA}"/>
@@ -4959,7 +5214,7 @@
           <p:nvPr/>
         </p:nvPicPr>
         <p:blipFill>
-          <a:blip r:embed="rId5"/>
+          <a:blip r:embed="rId7"/>
           <a:stretch>
             <a:fillRect/>
           </a:stretch>
@@ -5006,7 +5261,7 @@
           <p:nvPr/>
         </p:nvPicPr>
         <p:blipFill>
-          <a:blip r:embed="rId6">
+          <a:blip r:embed="rId8">
             <a:extLst>
               <a:ext uri="{28A0092B-C50C-407E-A947-70E740481C1C}">
                 <a14:useLocalDpi xmlns:a14="http://schemas.microsoft.com/office/drawing/2010/main" val="0"/>
@@ -5059,7 +5314,7 @@
           <p:nvPr/>
         </p:nvPicPr>
         <p:blipFill>
-          <a:blip r:embed="rId7">
+          <a:blip r:embed="rId9">
             <a:extLst>
               <a:ext uri="{28A0092B-C50C-407E-A947-70E740481C1C}">
                 <a14:useLocalDpi xmlns:a14="http://schemas.microsoft.com/office/drawing/2010/main" val="0"/>
@@ -5110,7 +5365,7 @@
       <p:pic>
         <p:nvPicPr>
           <p:cNvPr id="19" name="Picture 18">
-            <a:hlinkClick r:id="rId2"/>
+            <a:hlinkClick r:id="rId3"/>
             <a:extLst>
               <a:ext uri="{FF2B5EF4-FFF2-40B4-BE49-F238E27FC236}">
                 <a16:creationId xmlns:a16="http://schemas.microsoft.com/office/drawing/2014/main" id="{C2860B88-63F4-4779-93C9-88A6657E6EEE}"/>
@@ -5123,7 +5378,7 @@
           <p:nvPr/>
         </p:nvPicPr>
         <p:blipFill>
-          <a:blip r:embed="rId8"/>
+          <a:blip r:embed="rId10"/>
           <a:stretch>
             <a:fillRect/>
           </a:stretch>
@@ -5201,7 +5456,7 @@
                                         <p:tgtEl>
                                           <p:spTgt spid="6">
                                             <p:txEl>
-                                              <p:pRg st="4" end="4"/>
+                                              <p:pRg st="1" end="1"/>
                                             </p:txEl>
                                           </p:spTgt>
                                         </p:tgtEl>
@@ -5230,7 +5485,7 @@
                                           </p:stCondLst>
                                         </p:cTn>
                                         <p:tgtEl>
-                                          <p:spTgt spid="17"/>
+                                          <p:spTgt spid="19"/>
                                         </p:tgtEl>
                                         <p:attrNameLst>
                                           <p:attrName>style.visibility</p:attrName>
@@ -5275,6 +5530,82 @@
                                           </p:stCondLst>
                                         </p:cTn>
                                         <p:tgtEl>
+                                          <p:spTgt spid="6">
+                                            <p:txEl>
+                                              <p:pRg st="4" end="4"/>
+                                            </p:txEl>
+                                          </p:spTgt>
+                                        </p:tgtEl>
+                                        <p:attrNameLst>
+                                          <p:attrName>style.visibility</p:attrName>
+                                        </p:attrNameLst>
+                                      </p:cBhvr>
+                                      <p:to>
+                                        <p:strVal val="visible"/>
+                                      </p:to>
+                                    </p:set>
+                                  </p:childTnLst>
+                                </p:cTn>
+                              </p:par>
+                              <p:par>
+                                <p:cTn id="13" presetID="1" presetClass="entr" presetSubtype="0" fill="hold" nodeType="withEffect">
+                                  <p:stCondLst>
+                                    <p:cond delay="0"/>
+                                  </p:stCondLst>
+                                  <p:childTnLst>
+                                    <p:set>
+                                      <p:cBhvr>
+                                        <p:cTn id="14" dur="1" fill="hold">
+                                          <p:stCondLst>
+                                            <p:cond delay="0"/>
+                                          </p:stCondLst>
+                                        </p:cTn>
+                                        <p:tgtEl>
+                                          <p:spTgt spid="17"/>
+                                        </p:tgtEl>
+                                        <p:attrNameLst>
+                                          <p:attrName>style.visibility</p:attrName>
+                                        </p:attrNameLst>
+                                      </p:cBhvr>
+                                      <p:to>
+                                        <p:strVal val="visible"/>
+                                      </p:to>
+                                    </p:set>
+                                  </p:childTnLst>
+                                </p:cTn>
+                              </p:par>
+                            </p:childTnLst>
+                          </p:cTn>
+                        </p:par>
+                      </p:childTnLst>
+                    </p:cTn>
+                  </p:par>
+                  <p:par>
+                    <p:cTn id="15" fill="hold">
+                      <p:stCondLst>
+                        <p:cond delay="indefinite"/>
+                      </p:stCondLst>
+                      <p:childTnLst>
+                        <p:par>
+                          <p:cTn id="16" fill="hold">
+                            <p:stCondLst>
+                              <p:cond delay="0"/>
+                            </p:stCondLst>
+                            <p:childTnLst>
+                              <p:par>
+                                <p:cTn id="17" presetID="1" presetClass="entr" presetSubtype="0" fill="hold" nodeType="clickEffect">
+                                  <p:stCondLst>
+                                    <p:cond delay="0"/>
+                                  </p:stCondLst>
+                                  <p:childTnLst>
+                                    <p:set>
+                                      <p:cBhvr>
+                                        <p:cTn id="18" dur="1" fill="hold">
+                                          <p:stCondLst>
+                                            <p:cond delay="0"/>
+                                          </p:stCondLst>
+                                        </p:cTn>
+                                        <p:tgtEl>
                                           <p:spTgt spid="18"/>
                                         </p:tgtEl>
                                         <p:attrNameLst>
@@ -5295,26 +5626,26 @@
                     </p:cTn>
                   </p:par>
                   <p:par>
-                    <p:cTn id="13" fill="hold">
+                    <p:cTn id="19" fill="hold">
                       <p:stCondLst>
                         <p:cond delay="indefinite"/>
                       </p:stCondLst>
                       <p:childTnLst>
                         <p:par>
-                          <p:cTn id="14" fill="hold">
+                          <p:cTn id="20" fill="hold">
                             <p:stCondLst>
                               <p:cond delay="0"/>
                             </p:stCondLst>
                             <p:childTnLst>
                               <p:par>
-                                <p:cTn id="15" presetID="1" presetClass="entr" presetSubtype="0" fill="hold" nodeType="clickEffect">
+                                <p:cTn id="21" presetID="1" presetClass="entr" presetSubtype="0" fill="hold" nodeType="clickEffect">
                                   <p:stCondLst>
                                     <p:cond delay="0"/>
                                   </p:stCondLst>
                                   <p:childTnLst>
                                     <p:set>
                                       <p:cBhvr>
-                                        <p:cTn id="16" dur="1" fill="hold">
+                                        <p:cTn id="22" dur="1" fill="hold">
                                           <p:stCondLst>
                                             <p:cond delay="0"/>
                                           </p:stCondLst>
@@ -5432,19 +5763,111 @@
           <a:bodyPr/>
           <a:lstStyle/>
           <a:p>
-            <a:r>
-              <a:rPr lang="en-US" dirty="0" err="1"/>
-              <a:t>Preslav</a:t>
-            </a:r>
-            <a:r>
-              <a:rPr lang="en-US" dirty="0"/>
+            <a:pPr>
+              <a:spcBef>
+                <a:spcPts val="1200"/>
+              </a:spcBef>
+            </a:pPr>
+            <a:r>
+              <a:rPr lang="en-US" b="1" dirty="0">
+                <a:solidFill>
+                  <a:schemeClr val="tx2">
+                    <a:lumMod val="75000"/>
+                  </a:schemeClr>
+                </a:solidFill>
+                <a:hlinkClick r:id="rId2"/>
+              </a:rPr>
+              <a:t>Preslav Mihaylov</a:t>
+            </a:r>
+            <a:r>
+              <a:rPr lang="en-US" b="1" dirty="0">
+                <a:solidFill>
+                  <a:schemeClr val="tx2">
+                    <a:lumMod val="75000"/>
+                  </a:schemeClr>
+                </a:solidFill>
+              </a:rPr>
               <a:t> </a:t>
             </a:r>
             <a:r>
-              <a:rPr lang="en-US" dirty="0" err="1"/>
-              <a:t>Mihaylov</a:t>
-            </a:r>
-            <a:endParaRPr lang="en-US" dirty="0"/>
+              <a:rPr lang="en-US" dirty="0"/>
+              <a:t>– </a:t>
+            </a:r>
+            <a:r>
+              <a:rPr lang="en-US" dirty="0">
+                <a:hlinkClick r:id="rId3"/>
+              </a:rPr>
+              <a:t>https://pmihaylov.com</a:t>
+            </a:r>
+            <a:r>
+              <a:rPr lang="en-US" dirty="0"/>
+              <a:t> </a:t>
+            </a:r>
+          </a:p>
+          <a:p>
+            <a:pPr>
+              <a:spcBef>
+                <a:spcPts val="1200"/>
+              </a:spcBef>
+            </a:pPr>
+            <a:r>
+              <a:rPr lang="en-US" dirty="0"/>
+              <a:t>Experienced software engineer, trainer,</a:t>
+            </a:r>
+            <a:br>
+              <a:rPr lang="en-US" dirty="0"/>
+            </a:br>
+            <a:r>
+              <a:rPr lang="en-US" dirty="0"/>
+              <a:t>blockchain developer and conference speaker</a:t>
+            </a:r>
+          </a:p>
+          <a:p>
+            <a:pPr>
+              <a:spcBef>
+                <a:spcPts val="1200"/>
+              </a:spcBef>
+            </a:pPr>
+            <a:r>
+              <a:rPr lang="en-US" dirty="0"/>
+              <a:t>Head of Blockchain Training @ SoftUni</a:t>
+            </a:r>
+          </a:p>
+          <a:p>
+            <a:pPr>
+              <a:spcBef>
+                <a:spcPts val="1200"/>
+              </a:spcBef>
+            </a:pPr>
+            <a:r>
+              <a:rPr lang="en-US" dirty="0"/>
+              <a:t>Experienced in embedded software,</a:t>
+            </a:r>
+            <a:br>
+              <a:rPr lang="en-US" dirty="0"/>
+            </a:br>
+            <a:r>
+              <a:rPr lang="en-US" dirty="0"/>
+              <a:t>robotics, Internet of Things (IoT)</a:t>
+            </a:r>
+          </a:p>
+          <a:p>
+            <a:pPr>
+              <a:spcBef>
+                <a:spcPts val="1200"/>
+              </a:spcBef>
+            </a:pPr>
+            <a:r>
+              <a:rPr lang="en-US" dirty="0"/>
+              <a:t>Passionate about computer science,</a:t>
+            </a:r>
+            <a:br>
+              <a:rPr lang="en-US" dirty="0"/>
+            </a:br>
+            <a:r>
+              <a:rPr lang="en-US" dirty="0"/>
+              <a:t>presentations and reading books</a:t>
+            </a:r>
           </a:p>
         </p:txBody>
       </p:sp>
@@ -5473,24 +5896,107 @@
           <a:p>
             <a:r>
               <a:rPr lang="en-US" sz="4400" dirty="0"/>
-              <a:t>Video Lessons: </a:t>
-            </a:r>
-            <a:r>
-              <a:rPr lang="en-US" sz="4400" dirty="0" err="1"/>
-              <a:t>Preslav</a:t>
-            </a:r>
-            <a:r>
-              <a:rPr lang="en-US" sz="4400" dirty="0"/>
-              <a:t> </a:t>
-            </a:r>
-            <a:r>
-              <a:rPr lang="en-US" sz="4400" dirty="0" err="1"/>
-              <a:t>Mihaylov</a:t>
-            </a:r>
-            <a:endParaRPr lang="en-US" sz="4400" dirty="0"/>
+              <a:t>Video Lessons: Preslav Mihaylov</a:t>
+            </a:r>
           </a:p>
         </p:txBody>
       </p:sp>
+      <p:pic>
+        <p:nvPicPr>
+          <p:cNvPr id="6" name="Picture 5">
+            <a:extLst>
+              <a:ext uri="{FF2B5EF4-FFF2-40B4-BE49-F238E27FC236}">
+                <a16:creationId xmlns:a16="http://schemas.microsoft.com/office/drawing/2014/main" id="{074F83AA-B903-4DCD-8F7F-76D0727DB129}"/>
+              </a:ext>
+            </a:extLst>
+          </p:cNvPr>
+          <p:cNvPicPr>
+            <a:picLocks noChangeAspect="1"/>
+          </p:cNvPicPr>
+          <p:nvPr/>
+        </p:nvPicPr>
+        <p:blipFill rotWithShape="1">
+          <a:blip r:embed="rId4"/>
+          <a:srcRect b="1186"/>
+          <a:stretch/>
+        </p:blipFill>
+        <p:spPr>
+          <a:xfrm>
+            <a:off x="8983085" y="1295400"/>
+            <a:ext cx="2597727" cy="2819400"/>
+          </a:xfrm>
+          <a:prstGeom prst="roundRect">
+            <a:avLst>
+              <a:gd name="adj" fmla="val 1518"/>
+            </a:avLst>
+          </a:prstGeom>
+          <a:ln>
+            <a:solidFill>
+              <a:schemeClr val="bg1">
+                <a:lumMod val="65000"/>
+                <a:lumOff val="35000"/>
+              </a:schemeClr>
+            </a:solidFill>
+          </a:ln>
+          <a:effectLst>
+            <a:outerShdw blurRad="63500" algn="ctr" rotWithShape="0">
+              <a:schemeClr val="accent5">
+                <a:lumMod val="50000"/>
+                <a:alpha val="30000"/>
+              </a:schemeClr>
+            </a:outerShdw>
+          </a:effectLst>
+        </p:spPr>
+      </p:pic>
+      <p:pic>
+        <p:nvPicPr>
+          <p:cNvPr id="8" name="Picture 7">
+            <a:hlinkClick r:id="rId3"/>
+            <a:extLst>
+              <a:ext uri="{FF2B5EF4-FFF2-40B4-BE49-F238E27FC236}">
+                <a16:creationId xmlns:a16="http://schemas.microsoft.com/office/drawing/2014/main" id="{EAC460BE-01F3-4464-B50F-0D8683D70CAA}"/>
+              </a:ext>
+            </a:extLst>
+          </p:cNvPr>
+          <p:cNvPicPr>
+            <a:picLocks noChangeAspect="1"/>
+          </p:cNvPicPr>
+          <p:nvPr/>
+        </p:nvPicPr>
+        <p:blipFill>
+          <a:blip r:embed="rId5"/>
+          <a:stretch>
+            <a:fillRect/>
+          </a:stretch>
+        </p:blipFill>
+        <p:spPr>
+          <a:xfrm>
+            <a:off x="7579136" y="4847255"/>
+            <a:ext cx="4001676" cy="1463351"/>
+          </a:xfrm>
+          <a:prstGeom prst="roundRect">
+            <a:avLst>
+              <a:gd name="adj" fmla="val 1518"/>
+            </a:avLst>
+          </a:prstGeom>
+          <a:ln>
+            <a:solidFill>
+              <a:schemeClr val="bg1">
+                <a:lumMod val="65000"/>
+                <a:lumOff val="35000"/>
+              </a:schemeClr>
+            </a:solidFill>
+          </a:ln>
+          <a:effectLst>
+            <a:outerShdw blurRad="63500" algn="ctr" rotWithShape="0">
+              <a:schemeClr val="accent5">
+                <a:lumMod val="50000"/>
+                <a:alpha val="30000"/>
+              </a:schemeClr>
+            </a:outerShdw>
+          </a:effectLst>
+        </p:spPr>
+      </p:pic>
     </p:spTree>
     <p:extLst>
       <p:ext uri="{BB962C8B-B14F-4D97-AF65-F5344CB8AC3E}">
@@ -5501,6 +6007,259 @@
   <p:clrMapOvr>
     <a:masterClrMapping/>
   </p:clrMapOvr>
+  <p:timing>
+    <p:tnLst>
+      <p:par>
+        <p:cTn id="1" dur="indefinite" restart="never" nodeType="tmRoot">
+          <p:childTnLst>
+            <p:seq concurrent="1" nextAc="seek">
+              <p:cTn id="2" dur="indefinite" nodeType="mainSeq">
+                <p:childTnLst>
+                  <p:par>
+                    <p:cTn id="3" fill="hold">
+                      <p:stCondLst>
+                        <p:cond delay="indefinite"/>
+                      </p:stCondLst>
+                      <p:childTnLst>
+                        <p:par>
+                          <p:cTn id="4" fill="hold">
+                            <p:stCondLst>
+                              <p:cond delay="0"/>
+                            </p:stCondLst>
+                            <p:childTnLst>
+                              <p:par>
+                                <p:cTn id="5" presetID="1" presetClass="entr" presetSubtype="0" fill="hold" nodeType="clickEffect">
+                                  <p:stCondLst>
+                                    <p:cond delay="0"/>
+                                  </p:stCondLst>
+                                  <p:childTnLst>
+                                    <p:set>
+                                      <p:cBhvr>
+                                        <p:cTn id="6" dur="1" fill="hold">
+                                          <p:stCondLst>
+                                            <p:cond delay="0"/>
+                                          </p:stCondLst>
+                                        </p:cTn>
+                                        <p:tgtEl>
+                                          <p:spTgt spid="3">
+                                            <p:txEl>
+                                              <p:pRg st="1" end="1"/>
+                                            </p:txEl>
+                                          </p:spTgt>
+                                        </p:tgtEl>
+                                        <p:attrNameLst>
+                                          <p:attrName>style.visibility</p:attrName>
+                                        </p:attrNameLst>
+                                      </p:cBhvr>
+                                      <p:to>
+                                        <p:strVal val="visible"/>
+                                      </p:to>
+                                    </p:set>
+                                  </p:childTnLst>
+                                </p:cTn>
+                              </p:par>
+                              <p:par>
+                                <p:cTn id="7" presetID="1" presetClass="entr" presetSubtype="0" fill="hold" nodeType="withEffect">
+                                  <p:stCondLst>
+                                    <p:cond delay="0"/>
+                                  </p:stCondLst>
+                                  <p:childTnLst>
+                                    <p:set>
+                                      <p:cBhvr>
+                                        <p:cTn id="8" dur="1" fill="hold">
+                                          <p:stCondLst>
+                                            <p:cond delay="0"/>
+                                          </p:stCondLst>
+                                        </p:cTn>
+                                        <p:tgtEl>
+                                          <p:spTgt spid="8"/>
+                                        </p:tgtEl>
+                                        <p:attrNameLst>
+                                          <p:attrName>style.visibility</p:attrName>
+                                        </p:attrNameLst>
+                                      </p:cBhvr>
+                                      <p:to>
+                                        <p:strVal val="visible"/>
+                                      </p:to>
+                                    </p:set>
+                                  </p:childTnLst>
+                                </p:cTn>
+                              </p:par>
+                            </p:childTnLst>
+                          </p:cTn>
+                        </p:par>
+                      </p:childTnLst>
+                    </p:cTn>
+                  </p:par>
+                  <p:par>
+                    <p:cTn id="9" fill="hold">
+                      <p:stCondLst>
+                        <p:cond delay="indefinite"/>
+                      </p:stCondLst>
+                      <p:childTnLst>
+                        <p:par>
+                          <p:cTn id="10" fill="hold">
+                            <p:stCondLst>
+                              <p:cond delay="0"/>
+                            </p:stCondLst>
+                            <p:childTnLst>
+                              <p:par>
+                                <p:cTn id="11" presetID="1" presetClass="entr" presetSubtype="0" fill="hold" nodeType="clickEffect">
+                                  <p:stCondLst>
+                                    <p:cond delay="0"/>
+                                  </p:stCondLst>
+                                  <p:childTnLst>
+                                    <p:set>
+                                      <p:cBhvr>
+                                        <p:cTn id="12" dur="1" fill="hold">
+                                          <p:stCondLst>
+                                            <p:cond delay="0"/>
+                                          </p:stCondLst>
+                                        </p:cTn>
+                                        <p:tgtEl>
+                                          <p:spTgt spid="3">
+                                            <p:txEl>
+                                              <p:pRg st="2" end="2"/>
+                                            </p:txEl>
+                                          </p:spTgt>
+                                        </p:tgtEl>
+                                        <p:attrNameLst>
+                                          <p:attrName>style.visibility</p:attrName>
+                                        </p:attrNameLst>
+                                      </p:cBhvr>
+                                      <p:to>
+                                        <p:strVal val="visible"/>
+                                      </p:to>
+                                    </p:set>
+                                  </p:childTnLst>
+                                </p:cTn>
+                              </p:par>
+                            </p:childTnLst>
+                          </p:cTn>
+                        </p:par>
+                      </p:childTnLst>
+                    </p:cTn>
+                  </p:par>
+                  <p:par>
+                    <p:cTn id="13" fill="hold">
+                      <p:stCondLst>
+                        <p:cond delay="indefinite"/>
+                      </p:stCondLst>
+                      <p:childTnLst>
+                        <p:par>
+                          <p:cTn id="14" fill="hold">
+                            <p:stCondLst>
+                              <p:cond delay="0"/>
+                            </p:stCondLst>
+                            <p:childTnLst>
+                              <p:par>
+                                <p:cTn id="15" presetID="1" presetClass="entr" presetSubtype="0" fill="hold" nodeType="clickEffect">
+                                  <p:stCondLst>
+                                    <p:cond delay="0"/>
+                                  </p:stCondLst>
+                                  <p:childTnLst>
+                                    <p:set>
+                                      <p:cBhvr>
+                                        <p:cTn id="16" dur="1" fill="hold">
+                                          <p:stCondLst>
+                                            <p:cond delay="0"/>
+                                          </p:stCondLst>
+                                        </p:cTn>
+                                        <p:tgtEl>
+                                          <p:spTgt spid="3">
+                                            <p:txEl>
+                                              <p:pRg st="3" end="3"/>
+                                            </p:txEl>
+                                          </p:spTgt>
+                                        </p:tgtEl>
+                                        <p:attrNameLst>
+                                          <p:attrName>style.visibility</p:attrName>
+                                        </p:attrNameLst>
+                                      </p:cBhvr>
+                                      <p:to>
+                                        <p:strVal val="visible"/>
+                                      </p:to>
+                                    </p:set>
+                                  </p:childTnLst>
+                                </p:cTn>
+                              </p:par>
+                            </p:childTnLst>
+                          </p:cTn>
+                        </p:par>
+                      </p:childTnLst>
+                    </p:cTn>
+                  </p:par>
+                  <p:par>
+                    <p:cTn id="17" fill="hold">
+                      <p:stCondLst>
+                        <p:cond delay="indefinite"/>
+                      </p:stCondLst>
+                      <p:childTnLst>
+                        <p:par>
+                          <p:cTn id="18" fill="hold">
+                            <p:stCondLst>
+                              <p:cond delay="0"/>
+                            </p:stCondLst>
+                            <p:childTnLst>
+                              <p:par>
+                                <p:cTn id="19" presetID="1" presetClass="entr" presetSubtype="0" fill="hold" nodeType="clickEffect">
+                                  <p:stCondLst>
+                                    <p:cond delay="0"/>
+                                  </p:stCondLst>
+                                  <p:childTnLst>
+                                    <p:set>
+                                      <p:cBhvr>
+                                        <p:cTn id="20" dur="1" fill="hold">
+                                          <p:stCondLst>
+                                            <p:cond delay="0"/>
+                                          </p:stCondLst>
+                                        </p:cTn>
+                                        <p:tgtEl>
+                                          <p:spTgt spid="3">
+                                            <p:txEl>
+                                              <p:pRg st="4" end="4"/>
+                                            </p:txEl>
+                                          </p:spTgt>
+                                        </p:tgtEl>
+                                        <p:attrNameLst>
+                                          <p:attrName>style.visibility</p:attrName>
+                                        </p:attrNameLst>
+                                      </p:cBhvr>
+                                      <p:to>
+                                        <p:strVal val="visible"/>
+                                      </p:to>
+                                    </p:set>
+                                  </p:childTnLst>
+                                </p:cTn>
+                              </p:par>
+                            </p:childTnLst>
+                          </p:cTn>
+                        </p:par>
+                      </p:childTnLst>
+                    </p:cTn>
+                  </p:par>
+                </p:childTnLst>
+              </p:cTn>
+              <p:prevCondLst>
+                <p:cond evt="onPrev" delay="0">
+                  <p:tgtEl>
+                    <p:sldTgt/>
+                  </p:tgtEl>
+                </p:cond>
+              </p:prevCondLst>
+              <p:nextCondLst>
+                <p:cond evt="onNext" delay="0">
+                  <p:tgtEl>
+                    <p:sldTgt/>
+                  </p:tgtEl>
+                </p:cond>
+              </p:nextCondLst>
+            </p:seq>
+          </p:childTnLst>
+        </p:cTn>
+      </p:par>
+    </p:tnLst>
+  </p:timing>
 </p:sld>
 </file>
 
